--- a/aws_work_ec2.pptx
+++ b/aws_work_ec2.pptx
@@ -25531,7 +25531,7 @@
                   <a:srgbClr val="BABCBA"/>
                 </a:solidFill>
               </a:rPr>
-              <a:t>EC2 Global</a:t>
+              <a:t>EC2 Configurações</a:t>
             </a:r>
             <a:endParaRPr sz="2800" dirty="0">
               <a:latin typeface="Arial"/>
@@ -25549,7 +25549,7 @@
         <p:spPr>
           <a:xfrm>
             <a:off x="535940" y="1178814"/>
-            <a:ext cx="8303260" cy="3813865"/>
+            <a:ext cx="8303260" cy="4585871"/>
           </a:xfrm>
           <a:prstGeom prst="rect">
             <a:avLst/>
@@ -25627,7 +25627,7 @@
                 <a:latin typeface="Arial"/>
                 <a:cs typeface="Arial"/>
               </a:rPr>
-              <a:t>ipos e tamanhos de processador e memória</a:t>
+              <a:t>ipos e tamanhos de processadores e memória</a:t>
             </a:r>
           </a:p>
           <a:p>
@@ -25777,7 +25777,7 @@
                 <a:latin typeface="Arial"/>
                 <a:cs typeface="Arial"/>
               </a:rPr>
-              <a:t>Group</a:t>
+              <a:t>Groups</a:t>
             </a:r>
             <a:endParaRPr lang="pt-BR" spc="-75" dirty="0">
               <a:solidFill>
@@ -25855,6 +25855,76 @@
                 <a:cs typeface="Arial"/>
               </a:rPr>
               <a:t>) : Lance comandos quando servidor inicia, e funciona apenas na primeira vez</a:t>
+            </a:r>
+          </a:p>
+          <a:p>
+            <a:pPr marL="12700">
+              <a:lnSpc>
+                <a:spcPct val="100000"/>
+              </a:lnSpc>
+              <a:spcBef>
+                <a:spcPts val="1730"/>
+              </a:spcBef>
+            </a:pPr>
+            <a:r>
+              <a:rPr lang="pt-BR" spc="-75" dirty="0" err="1">
+                <a:solidFill>
+                  <a:srgbClr val="BABCBA"/>
+                </a:solidFill>
+                <a:latin typeface="Arial"/>
+                <a:cs typeface="Arial"/>
+              </a:rPr>
+              <a:t>Amazon</a:t>
+            </a:r>
+            <a:r>
+              <a:rPr lang="pt-BR" spc="-75" dirty="0">
+                <a:solidFill>
+                  <a:srgbClr val="BABCBA"/>
+                </a:solidFill>
+                <a:latin typeface="Arial"/>
+                <a:cs typeface="Arial"/>
+              </a:rPr>
+              <a:t> </a:t>
+            </a:r>
+            <a:r>
+              <a:rPr lang="pt-BR" spc="-75" dirty="0" err="1">
+                <a:solidFill>
+                  <a:srgbClr val="BABCBA"/>
+                </a:solidFill>
+                <a:latin typeface="Arial"/>
+                <a:cs typeface="Arial"/>
+              </a:rPr>
+              <a:t>Machine</a:t>
+            </a:r>
+            <a:r>
+              <a:rPr lang="pt-BR" spc="-75" dirty="0">
+                <a:solidFill>
+                  <a:srgbClr val="BABCBA"/>
+                </a:solidFill>
+                <a:latin typeface="Arial"/>
+                <a:cs typeface="Arial"/>
+              </a:rPr>
+              <a:t> </a:t>
+            </a:r>
+            <a:r>
+              <a:rPr lang="pt-BR" spc="-75" dirty="0" err="1">
+                <a:solidFill>
+                  <a:srgbClr val="BABCBA"/>
+                </a:solidFill>
+                <a:latin typeface="Arial"/>
+                <a:cs typeface="Arial"/>
+              </a:rPr>
+              <a:t>Image</a:t>
+            </a:r>
+            <a:r>
+              <a:rPr lang="pt-BR" spc="-75" dirty="0">
+                <a:solidFill>
+                  <a:srgbClr val="BABCBA"/>
+                </a:solidFill>
+                <a:latin typeface="Arial"/>
+                <a:cs typeface="Arial"/>
+              </a:rPr>
+              <a:t> (AMI) : Imagem que pode ser criada como base para implantação do EC2 com Sistema Operacional e softwares embutidos.</a:t>
             </a:r>
           </a:p>
           <a:p>

--- a/aws_work_ec2.pptx
+++ b/aws_work_ec2.pptx
@@ -5111,6 +5111,10 @@
           </a:bodyPr>
           <a:lstStyle/>
           <a:p>
+            <a:pPr marL="342900" indent="-342900">
+              <a:buFont typeface="+mj-lt"/>
+              <a:buAutoNum type="arabicPeriod"/>
+            </a:pPr>
             <a:r>
               <a:rPr lang="pt-BR" dirty="0">
                 <a:solidFill>
@@ -5121,6 +5125,10 @@
             </a:r>
           </a:p>
           <a:p>
+            <a:pPr marL="342900" indent="-342900">
+              <a:buFont typeface="+mj-lt"/>
+              <a:buAutoNum type="arabicPeriod"/>
+            </a:pPr>
             <a:r>
               <a:rPr lang="pt-BR" dirty="0">
                 <a:solidFill>
@@ -5131,6 +5139,10 @@
             </a:r>
           </a:p>
           <a:p>
+            <a:pPr marL="342900" indent="-342900">
+              <a:buFont typeface="+mj-lt"/>
+              <a:buAutoNum type="arabicPeriod"/>
+            </a:pPr>
             <a:r>
               <a:rPr lang="pt-BR" dirty="0">
                 <a:solidFill>
